--- a/REPRESENTATION-KNOWLEDGE-IN-ARTIFICIAL-INTELLIGENCE [Autosaved].pptx
+++ b/REPRESENTATION-KNOWLEDGE-IN-ARTIFICIAL-INTELLIGENCE [Autosaved].pptx
@@ -10,10 +10,11 @@
     <p:sldId id="256" r:id="rId4"/>
     <p:sldId id="264" r:id="rId5"/>
     <p:sldId id="257" r:id="rId6"/>
-    <p:sldId id="258" r:id="rId7"/>
-    <p:sldId id="259" r:id="rId8"/>
-    <p:sldId id="260" r:id="rId9"/>
-    <p:sldId id="262" r:id="rId10"/>
+    <p:sldId id="265" r:id="rId7"/>
+    <p:sldId id="258" r:id="rId8"/>
+    <p:sldId id="259" r:id="rId9"/>
+    <p:sldId id="260" r:id="rId10"/>
+    <p:sldId id="262" r:id="rId11"/>
   </p:sldIdLst>
   <p:sldSz cx="12192000" cy="6858000"/>
   <p:notesSz cx="6858000" cy="9144000"/>
@@ -251,7 +252,7 @@
           <a:p>
             <a:fld id="{75C77327-5027-47CE-8CD8-0E93378A0702}" type="datetimeFigureOut">
               <a:rPr lang="en-US" smtClean="0"/>
-              <a:t>1/10/2022</a:t>
+              <a:t>1/14/2022</a:t>
             </a:fld>
             <a:endParaRPr lang="en-US"/>
           </a:p>
@@ -421,7 +422,7 @@
           <a:p>
             <a:fld id="{75C77327-5027-47CE-8CD8-0E93378A0702}" type="datetimeFigureOut">
               <a:rPr lang="en-US" smtClean="0"/>
-              <a:t>1/10/2022</a:t>
+              <a:t>1/14/2022</a:t>
             </a:fld>
             <a:endParaRPr lang="en-US"/>
           </a:p>
@@ -601,7 +602,7 @@
           <a:p>
             <a:fld id="{75C77327-5027-47CE-8CD8-0E93378A0702}" type="datetimeFigureOut">
               <a:rPr lang="en-US" smtClean="0"/>
-              <a:t>1/10/2022</a:t>
+              <a:t>1/14/2022</a:t>
             </a:fld>
             <a:endParaRPr lang="en-US"/>
           </a:p>
@@ -771,7 +772,7 @@
           <a:p>
             <a:fld id="{75C77327-5027-47CE-8CD8-0E93378A0702}" type="datetimeFigureOut">
               <a:rPr lang="en-US" smtClean="0"/>
-              <a:t>1/10/2022</a:t>
+              <a:t>1/14/2022</a:t>
             </a:fld>
             <a:endParaRPr lang="en-US"/>
           </a:p>
@@ -1017,7 +1018,7 @@
           <a:p>
             <a:fld id="{75C77327-5027-47CE-8CD8-0E93378A0702}" type="datetimeFigureOut">
               <a:rPr lang="en-US" smtClean="0"/>
-              <a:t>1/10/2022</a:t>
+              <a:t>1/14/2022</a:t>
             </a:fld>
             <a:endParaRPr lang="en-US"/>
           </a:p>
@@ -1249,7 +1250,7 @@
           <a:p>
             <a:fld id="{75C77327-5027-47CE-8CD8-0E93378A0702}" type="datetimeFigureOut">
               <a:rPr lang="en-US" smtClean="0"/>
-              <a:t>1/10/2022</a:t>
+              <a:t>1/14/2022</a:t>
             </a:fld>
             <a:endParaRPr lang="en-US"/>
           </a:p>
@@ -1616,7 +1617,7 @@
           <a:p>
             <a:fld id="{75C77327-5027-47CE-8CD8-0E93378A0702}" type="datetimeFigureOut">
               <a:rPr lang="en-US" smtClean="0"/>
-              <a:t>1/10/2022</a:t>
+              <a:t>1/14/2022</a:t>
             </a:fld>
             <a:endParaRPr lang="en-US"/>
           </a:p>
@@ -1734,7 +1735,7 @@
           <a:p>
             <a:fld id="{75C77327-5027-47CE-8CD8-0E93378A0702}" type="datetimeFigureOut">
               <a:rPr lang="en-US" smtClean="0"/>
-              <a:t>1/10/2022</a:t>
+              <a:t>1/14/2022</a:t>
             </a:fld>
             <a:endParaRPr lang="en-US"/>
           </a:p>
@@ -1829,7 +1830,7 @@
           <a:p>
             <a:fld id="{75C77327-5027-47CE-8CD8-0E93378A0702}" type="datetimeFigureOut">
               <a:rPr lang="en-US" smtClean="0"/>
-              <a:t>1/10/2022</a:t>
+              <a:t>1/14/2022</a:t>
             </a:fld>
             <a:endParaRPr lang="en-US"/>
           </a:p>
@@ -2106,7 +2107,7 @@
           <a:p>
             <a:fld id="{75C77327-5027-47CE-8CD8-0E93378A0702}" type="datetimeFigureOut">
               <a:rPr lang="en-US" smtClean="0"/>
-              <a:t>1/10/2022</a:t>
+              <a:t>1/14/2022</a:t>
             </a:fld>
             <a:endParaRPr lang="en-US"/>
           </a:p>
@@ -2363,7 +2364,7 @@
           <a:p>
             <a:fld id="{75C77327-5027-47CE-8CD8-0E93378A0702}" type="datetimeFigureOut">
               <a:rPr lang="en-US" smtClean="0"/>
-              <a:t>1/10/2022</a:t>
+              <a:t>1/14/2022</a:t>
             </a:fld>
             <a:endParaRPr lang="en-US"/>
           </a:p>
@@ -2576,7 +2577,7 @@
           <a:p>
             <a:fld id="{75C77327-5027-47CE-8CD8-0E93378A0702}" type="datetimeFigureOut">
               <a:rPr lang="en-US" smtClean="0"/>
-              <a:t>1/10/2022</a:t>
+              <a:t>1/14/2022</a:t>
             </a:fld>
             <a:endParaRPr lang="en-US"/>
           </a:p>
@@ -3121,6 +3122,67 @@
     <p:extLst>
       <p:ext uri="{BB962C8B-B14F-4D97-AF65-F5344CB8AC3E}">
         <p14:creationId xmlns:p14="http://schemas.microsoft.com/office/powerpoint/2010/main" val="877104154"/>
+      </p:ext>
+    </p:extLst>
+  </p:cSld>
+  <p:clrMapOvr>
+    <a:masterClrMapping/>
+  </p:clrMapOvr>
+  <p:timing>
+    <p:tnLst>
+      <p:par>
+        <p:cTn id="1" dur="indefinite" restart="never" nodeType="tmRoot"/>
+      </p:par>
+    </p:tnLst>
+  </p:timing>
+</p:sld>
+</file>
+
+<file path=ppt/slides/slide10.xml><?xml version="1.0" encoding="utf-8"?>
+<p:sld xmlns:a="http://schemas.openxmlformats.org/drawingml/2006/main" xmlns:r="http://schemas.openxmlformats.org/officeDocument/2006/relationships" xmlns:p="http://schemas.openxmlformats.org/presentationml/2006/main">
+  <p:cSld>
+    <p:spTree>
+      <p:nvGrpSpPr>
+        <p:cNvPr id="1" name=""/>
+        <p:cNvGrpSpPr/>
+        <p:nvPr/>
+      </p:nvGrpSpPr>
+      <p:grpSpPr>
+        <a:xfrm>
+          <a:off x="0" y="0"/>
+          <a:ext cx="0" cy="0"/>
+          <a:chOff x="0" y="0"/>
+          <a:chExt cx="0" cy="0"/>
+        </a:xfrm>
+      </p:grpSpPr>
+      <p:pic>
+        <p:nvPicPr>
+          <p:cNvPr id="7" name="Picture 6"/>
+          <p:cNvPicPr>
+            <a:picLocks noChangeAspect="1"/>
+          </p:cNvPicPr>
+          <p:nvPr/>
+        </p:nvPicPr>
+        <p:blipFill>
+          <a:blip r:embed="rId2"/>
+          <a:stretch>
+            <a:fillRect/>
+          </a:stretch>
+        </p:blipFill>
+        <p:spPr>
+          <a:xfrm>
+            <a:off x="3416301" y="463550"/>
+            <a:ext cx="5076216" cy="4300586"/>
+          </a:xfrm>
+          <a:prstGeom prst="rect">
+            <a:avLst/>
+          </a:prstGeom>
+        </p:spPr>
+      </p:pic>
+    </p:spTree>
+    <p:extLst>
+      <p:ext uri="{BB962C8B-B14F-4D97-AF65-F5344CB8AC3E}">
+        <p14:creationId xmlns:p14="http://schemas.microsoft.com/office/powerpoint/2010/main" val="2026251256"/>
       </p:ext>
     </p:extLst>
   </p:cSld>
@@ -4596,6 +4658,60 @@
           <a:chExt cx="0" cy="0"/>
         </a:xfrm>
       </p:grpSpPr>
+      <p:pic>
+        <p:nvPicPr>
+          <p:cNvPr id="6" name="Picture 5"/>
+          <p:cNvPicPr>
+            <a:picLocks noChangeAspect="1"/>
+          </p:cNvPicPr>
+          <p:nvPr/>
+        </p:nvPicPr>
+        <p:blipFill>
+          <a:blip r:embed="rId2"/>
+          <a:stretch>
+            <a:fillRect/>
+          </a:stretch>
+        </p:blipFill>
+        <p:spPr>
+          <a:xfrm>
+            <a:off x="0" y="0"/>
+            <a:ext cx="12192000" cy="6858000"/>
+          </a:xfrm>
+          <a:prstGeom prst="rect">
+            <a:avLst/>
+          </a:prstGeom>
+        </p:spPr>
+      </p:pic>
+    </p:spTree>
+    <p:extLst>
+      <p:ext uri="{BB962C8B-B14F-4D97-AF65-F5344CB8AC3E}">
+        <p14:creationId xmlns:p14="http://schemas.microsoft.com/office/powerpoint/2010/main" val="4164961187"/>
+      </p:ext>
+    </p:extLst>
+  </p:cSld>
+  <p:clrMapOvr>
+    <a:masterClrMapping/>
+  </p:clrMapOvr>
+</p:sld>
+</file>
+
+<file path=ppt/slides/slide7.xml><?xml version="1.0" encoding="utf-8"?>
+<p:sld xmlns:a="http://schemas.openxmlformats.org/drawingml/2006/main" xmlns:r="http://schemas.openxmlformats.org/officeDocument/2006/relationships" xmlns:p="http://schemas.openxmlformats.org/presentationml/2006/main">
+  <p:cSld>
+    <p:spTree>
+      <p:nvGrpSpPr>
+        <p:cNvPr id="1" name=""/>
+        <p:cNvGrpSpPr/>
+        <p:nvPr/>
+      </p:nvGrpSpPr>
+      <p:grpSpPr>
+        <a:xfrm>
+          <a:off x="0" y="0"/>
+          <a:ext cx="0" cy="0"/>
+          <a:chOff x="0" y="0"/>
+          <a:chExt cx="0" cy="0"/>
+        </a:xfrm>
+      </p:grpSpPr>
       <p:sp>
         <p:nvSpPr>
           <p:cNvPr id="2" name="Title 1"/>
@@ -4926,7 +5042,7 @@
 </p:sld>
 </file>
 
-<file path=ppt/slides/slide7.xml><?xml version="1.0" encoding="utf-8"?>
+<file path=ppt/slides/slide8.xml><?xml version="1.0" encoding="utf-8"?>
 <p:sld xmlns:a="http://schemas.openxmlformats.org/drawingml/2006/main" xmlns:r="http://schemas.openxmlformats.org/officeDocument/2006/relationships" xmlns:p="http://schemas.openxmlformats.org/presentationml/2006/main">
   <p:cSld>
     <p:spTree>
@@ -5215,7 +5331,7 @@
 </p:sld>
 </file>
 
-<file path=ppt/slides/slide8.xml><?xml version="1.0" encoding="utf-8"?>
+<file path=ppt/slides/slide9.xml><?xml version="1.0" encoding="utf-8"?>
 <p:sld xmlns:a="http://schemas.openxmlformats.org/drawingml/2006/main" xmlns:r="http://schemas.openxmlformats.org/officeDocument/2006/relationships" xmlns:p="http://schemas.openxmlformats.org/presentationml/2006/main">
   <p:cSld>
     <p:spTree>
@@ -5509,67 +5625,6 @@
       <p:bldP spid="7" grpId="0"/>
       <p:bldP spid="8" grpId="0"/>
     </p:bldLst>
-  </p:timing>
-</p:sld>
-</file>
-
-<file path=ppt/slides/slide9.xml><?xml version="1.0" encoding="utf-8"?>
-<p:sld xmlns:a="http://schemas.openxmlformats.org/drawingml/2006/main" xmlns:r="http://schemas.openxmlformats.org/officeDocument/2006/relationships" xmlns:p="http://schemas.openxmlformats.org/presentationml/2006/main">
-  <p:cSld>
-    <p:spTree>
-      <p:nvGrpSpPr>
-        <p:cNvPr id="1" name=""/>
-        <p:cNvGrpSpPr/>
-        <p:nvPr/>
-      </p:nvGrpSpPr>
-      <p:grpSpPr>
-        <a:xfrm>
-          <a:off x="0" y="0"/>
-          <a:ext cx="0" cy="0"/>
-          <a:chOff x="0" y="0"/>
-          <a:chExt cx="0" cy="0"/>
-        </a:xfrm>
-      </p:grpSpPr>
-      <p:pic>
-        <p:nvPicPr>
-          <p:cNvPr id="7" name="Picture 6"/>
-          <p:cNvPicPr>
-            <a:picLocks noChangeAspect="1"/>
-          </p:cNvPicPr>
-          <p:nvPr/>
-        </p:nvPicPr>
-        <p:blipFill>
-          <a:blip r:embed="rId2"/>
-          <a:stretch>
-            <a:fillRect/>
-          </a:stretch>
-        </p:blipFill>
-        <p:spPr>
-          <a:xfrm>
-            <a:off x="3416301" y="463550"/>
-            <a:ext cx="5076216" cy="4300586"/>
-          </a:xfrm>
-          <a:prstGeom prst="rect">
-            <a:avLst/>
-          </a:prstGeom>
-        </p:spPr>
-      </p:pic>
-    </p:spTree>
-    <p:extLst>
-      <p:ext uri="{BB962C8B-B14F-4D97-AF65-F5344CB8AC3E}">
-        <p14:creationId xmlns:p14="http://schemas.microsoft.com/office/powerpoint/2010/main" val="2026251256"/>
-      </p:ext>
-    </p:extLst>
-  </p:cSld>
-  <p:clrMapOvr>
-    <a:masterClrMapping/>
-  </p:clrMapOvr>
-  <p:timing>
-    <p:tnLst>
-      <p:par>
-        <p:cTn id="1" dur="indefinite" restart="never" nodeType="tmRoot"/>
-      </p:par>
-    </p:tnLst>
   </p:timing>
 </p:sld>
 </file>

--- a/REPRESENTATION-KNOWLEDGE-IN-ARTIFICIAL-INTELLIGENCE [Autosaved].pptx
+++ b/REPRESENTATION-KNOWLEDGE-IN-ARTIFICIAL-INTELLIGENCE [Autosaved].pptx
@@ -10,11 +10,12 @@
     <p:sldId id="256" r:id="rId4"/>
     <p:sldId id="264" r:id="rId5"/>
     <p:sldId id="257" r:id="rId6"/>
-    <p:sldId id="265" r:id="rId7"/>
-    <p:sldId id="258" r:id="rId8"/>
-    <p:sldId id="259" r:id="rId9"/>
-    <p:sldId id="260" r:id="rId10"/>
-    <p:sldId id="262" r:id="rId11"/>
+    <p:sldId id="266" r:id="rId7"/>
+    <p:sldId id="265" r:id="rId8"/>
+    <p:sldId id="258" r:id="rId9"/>
+    <p:sldId id="259" r:id="rId10"/>
+    <p:sldId id="260" r:id="rId11"/>
+    <p:sldId id="262" r:id="rId12"/>
   </p:sldIdLst>
   <p:sldSz cx="12192000" cy="6858000"/>
   <p:notesSz cx="6858000" cy="9144000"/>
@@ -252,7 +253,7 @@
           <a:p>
             <a:fld id="{75C77327-5027-47CE-8CD8-0E93378A0702}" type="datetimeFigureOut">
               <a:rPr lang="en-US" smtClean="0"/>
-              <a:t>1/14/2022</a:t>
+              <a:t>1/19/2022</a:t>
             </a:fld>
             <a:endParaRPr lang="en-US"/>
           </a:p>
@@ -422,7 +423,7 @@
           <a:p>
             <a:fld id="{75C77327-5027-47CE-8CD8-0E93378A0702}" type="datetimeFigureOut">
               <a:rPr lang="en-US" smtClean="0"/>
-              <a:t>1/14/2022</a:t>
+              <a:t>1/19/2022</a:t>
             </a:fld>
             <a:endParaRPr lang="en-US"/>
           </a:p>
@@ -602,7 +603,7 @@
           <a:p>
             <a:fld id="{75C77327-5027-47CE-8CD8-0E93378A0702}" type="datetimeFigureOut">
               <a:rPr lang="en-US" smtClean="0"/>
-              <a:t>1/14/2022</a:t>
+              <a:t>1/19/2022</a:t>
             </a:fld>
             <a:endParaRPr lang="en-US"/>
           </a:p>
@@ -772,7 +773,7 @@
           <a:p>
             <a:fld id="{75C77327-5027-47CE-8CD8-0E93378A0702}" type="datetimeFigureOut">
               <a:rPr lang="en-US" smtClean="0"/>
-              <a:t>1/14/2022</a:t>
+              <a:t>1/19/2022</a:t>
             </a:fld>
             <a:endParaRPr lang="en-US"/>
           </a:p>
@@ -1018,7 +1019,7 @@
           <a:p>
             <a:fld id="{75C77327-5027-47CE-8CD8-0E93378A0702}" type="datetimeFigureOut">
               <a:rPr lang="en-US" smtClean="0"/>
-              <a:t>1/14/2022</a:t>
+              <a:t>1/19/2022</a:t>
             </a:fld>
             <a:endParaRPr lang="en-US"/>
           </a:p>
@@ -1250,7 +1251,7 @@
           <a:p>
             <a:fld id="{75C77327-5027-47CE-8CD8-0E93378A0702}" type="datetimeFigureOut">
               <a:rPr lang="en-US" smtClean="0"/>
-              <a:t>1/14/2022</a:t>
+              <a:t>1/19/2022</a:t>
             </a:fld>
             <a:endParaRPr lang="en-US"/>
           </a:p>
@@ -1617,7 +1618,7 @@
           <a:p>
             <a:fld id="{75C77327-5027-47CE-8CD8-0E93378A0702}" type="datetimeFigureOut">
               <a:rPr lang="en-US" smtClean="0"/>
-              <a:t>1/14/2022</a:t>
+              <a:t>1/19/2022</a:t>
             </a:fld>
             <a:endParaRPr lang="en-US"/>
           </a:p>
@@ -1735,7 +1736,7 @@
           <a:p>
             <a:fld id="{75C77327-5027-47CE-8CD8-0E93378A0702}" type="datetimeFigureOut">
               <a:rPr lang="en-US" smtClean="0"/>
-              <a:t>1/14/2022</a:t>
+              <a:t>1/19/2022</a:t>
             </a:fld>
             <a:endParaRPr lang="en-US"/>
           </a:p>
@@ -1830,7 +1831,7 @@
           <a:p>
             <a:fld id="{75C77327-5027-47CE-8CD8-0E93378A0702}" type="datetimeFigureOut">
               <a:rPr lang="en-US" smtClean="0"/>
-              <a:t>1/14/2022</a:t>
+              <a:t>1/19/2022</a:t>
             </a:fld>
             <a:endParaRPr lang="en-US"/>
           </a:p>
@@ -2107,7 +2108,7 @@
           <a:p>
             <a:fld id="{75C77327-5027-47CE-8CD8-0E93378A0702}" type="datetimeFigureOut">
               <a:rPr lang="en-US" smtClean="0"/>
-              <a:t>1/14/2022</a:t>
+              <a:t>1/19/2022</a:t>
             </a:fld>
             <a:endParaRPr lang="en-US"/>
           </a:p>
@@ -2364,7 +2365,7 @@
           <a:p>
             <a:fld id="{75C77327-5027-47CE-8CD8-0E93378A0702}" type="datetimeFigureOut">
               <a:rPr lang="en-US" smtClean="0"/>
-              <a:t>1/14/2022</a:t>
+              <a:t>1/19/2022</a:t>
             </a:fld>
             <a:endParaRPr lang="en-US"/>
           </a:p>
@@ -2577,7 +2578,7 @@
           <a:p>
             <a:fld id="{75C77327-5027-47CE-8CD8-0E93378A0702}" type="datetimeFigureOut">
               <a:rPr lang="en-US" smtClean="0"/>
-              <a:t>1/14/2022</a:t>
+              <a:t>1/19/2022</a:t>
             </a:fld>
             <a:endParaRPr lang="en-US"/>
           </a:p>
@@ -3139,6 +3140,304 @@
 </file>
 
 <file path=ppt/slides/slide10.xml><?xml version="1.0" encoding="utf-8"?>
+<p:sld xmlns:a="http://schemas.openxmlformats.org/drawingml/2006/main" xmlns:r="http://schemas.openxmlformats.org/officeDocument/2006/relationships" xmlns:p="http://schemas.openxmlformats.org/presentationml/2006/main">
+  <p:cSld>
+    <p:spTree>
+      <p:nvGrpSpPr>
+        <p:cNvPr id="1" name=""/>
+        <p:cNvGrpSpPr/>
+        <p:nvPr/>
+      </p:nvGrpSpPr>
+      <p:grpSpPr>
+        <a:xfrm>
+          <a:off x="0" y="0"/>
+          <a:ext cx="0" cy="0"/>
+          <a:chOff x="0" y="0"/>
+          <a:chExt cx="0" cy="0"/>
+        </a:xfrm>
+      </p:grpSpPr>
+      <p:sp>
+        <p:nvSpPr>
+          <p:cNvPr id="5" name="Title 1"/>
+          <p:cNvSpPr>
+            <a:spLocks noGrp="1"/>
+          </p:cNvSpPr>
+          <p:nvPr>
+            <p:ph type="title"/>
+          </p:nvPr>
+        </p:nvSpPr>
+        <p:spPr>
+          <a:xfrm>
+            <a:off x="0" y="365125"/>
+            <a:ext cx="12192000" cy="1120775"/>
+          </a:xfrm>
+        </p:spPr>
+        <p:txBody>
+          <a:bodyPr>
+            <a:normAutofit/>
+          </a:bodyPr>
+          <a:lstStyle/>
+          <a:p>
+            <a:pPr algn="ctr"/>
+            <a:r>
+              <a:rPr lang="en-US" sz="3500" smtClean="0">
+                <a:latin typeface="+mn-lt"/>
+              </a:rPr>
+              <a:t>THE PROBLEMS</a:t>
+            </a:r>
+            <a:endParaRPr lang="en-US" sz="3500">
+              <a:latin typeface="+mn-lt"/>
+            </a:endParaRPr>
+          </a:p>
+        </p:txBody>
+      </p:sp>
+      <p:sp>
+        <p:nvSpPr>
+          <p:cNvPr id="6" name="TextBox 5"/>
+          <p:cNvSpPr txBox="1"/>
+          <p:nvPr/>
+        </p:nvSpPr>
+        <p:spPr>
+          <a:xfrm>
+            <a:off x="2828503" y="2336800"/>
+            <a:ext cx="6534994" cy="369332"/>
+          </a:xfrm>
+          <a:prstGeom prst="rect">
+            <a:avLst/>
+          </a:prstGeom>
+          <a:noFill/>
+        </p:spPr>
+        <p:txBody>
+          <a:bodyPr wrap="none" rtlCol="0">
+            <a:spAutoFit/>
+          </a:bodyPr>
+          <a:lstStyle/>
+          <a:p>
+            <a:r>
+              <a:rPr lang="en-US" smtClean="0"/>
+              <a:t>NLP IS A MAJOR WHICH STILL TOO STRANGE WITH ALL OF STUDENT</a:t>
+            </a:r>
+            <a:endParaRPr lang="en-US"/>
+          </a:p>
+        </p:txBody>
+      </p:sp>
+      <p:sp>
+        <p:nvSpPr>
+          <p:cNvPr id="7" name="TextBox 6"/>
+          <p:cNvSpPr txBox="1"/>
+          <p:nvPr/>
+        </p:nvSpPr>
+        <p:spPr>
+          <a:xfrm>
+            <a:off x="2813434" y="3124200"/>
+            <a:ext cx="6565131" cy="646331"/>
+          </a:xfrm>
+          <a:prstGeom prst="rect">
+            <a:avLst/>
+          </a:prstGeom>
+          <a:noFill/>
+        </p:spPr>
+        <p:txBody>
+          <a:bodyPr wrap="none" rtlCol="0">
+            <a:spAutoFit/>
+          </a:bodyPr>
+          <a:lstStyle/>
+          <a:p>
+            <a:pPr algn="ctr"/>
+            <a:r>
+              <a:rPr lang="en-US" smtClean="0"/>
+              <a:t>NLP HAS WEIGHT CHARACTERISTICS OF KNOWLEDGE ABOUT LOGIC</a:t>
+            </a:r>
+          </a:p>
+          <a:p>
+            <a:pPr algn="ctr"/>
+            <a:r>
+              <a:rPr lang="en-US" smtClean="0"/>
+              <a:t> SO LEARNING KNOWLEDGE IS A LONG TERM OF LEARNING</a:t>
+            </a:r>
+            <a:endParaRPr lang="en-US"/>
+          </a:p>
+        </p:txBody>
+      </p:sp>
+      <p:sp>
+        <p:nvSpPr>
+          <p:cNvPr id="8" name="TextBox 7"/>
+          <p:cNvSpPr txBox="1"/>
+          <p:nvPr/>
+        </p:nvSpPr>
+        <p:spPr>
+          <a:xfrm>
+            <a:off x="1768886" y="4188599"/>
+            <a:ext cx="8624092" cy="369332"/>
+          </a:xfrm>
+          <a:prstGeom prst="rect">
+            <a:avLst/>
+          </a:prstGeom>
+          <a:noFill/>
+        </p:spPr>
+        <p:txBody>
+          <a:bodyPr wrap="none" rtlCol="0">
+            <a:spAutoFit/>
+          </a:bodyPr>
+          <a:lstStyle/>
+          <a:p>
+            <a:pPr algn="ctr"/>
+            <a:r>
+              <a:rPr lang="en-US" smtClean="0"/>
+              <a:t>TO TRANSFER SOME KNOWLEDGE TO SOMETHING THE BEST WE SHOULD UNDERSTAND IT</a:t>
+            </a:r>
+            <a:endParaRPr lang="en-US"/>
+          </a:p>
+        </p:txBody>
+      </p:sp>
+    </p:spTree>
+    <p:extLst>
+      <p:ext uri="{BB962C8B-B14F-4D97-AF65-F5344CB8AC3E}">
+        <p14:creationId xmlns:p14="http://schemas.microsoft.com/office/powerpoint/2010/main" val="3566484909"/>
+      </p:ext>
+    </p:extLst>
+  </p:cSld>
+  <p:clrMapOvr>
+    <a:masterClrMapping/>
+  </p:clrMapOvr>
+  <p:timing>
+    <p:tnLst>
+      <p:par>
+        <p:cTn id="1" dur="indefinite" restart="never" nodeType="tmRoot">
+          <p:childTnLst>
+            <p:seq concurrent="1" nextAc="seek">
+              <p:cTn id="2" dur="indefinite" nodeType="mainSeq">
+                <p:childTnLst>
+                  <p:par>
+                    <p:cTn id="3" fill="hold">
+                      <p:stCondLst>
+                        <p:cond delay="indefinite"/>
+                      </p:stCondLst>
+                      <p:childTnLst>
+                        <p:par>
+                          <p:cTn id="4" fill="hold">
+                            <p:stCondLst>
+                              <p:cond delay="0"/>
+                            </p:stCondLst>
+                            <p:childTnLst>
+                              <p:par>
+                                <p:cTn id="5" presetID="1" presetClass="entr" presetSubtype="0" fill="hold" grpId="0" nodeType="clickEffect">
+                                  <p:stCondLst>
+                                    <p:cond delay="0"/>
+                                  </p:stCondLst>
+                                  <p:childTnLst>
+                                    <p:set>
+                                      <p:cBhvr>
+                                        <p:cTn id="6" dur="1" fill="hold">
+                                          <p:stCondLst>
+                                            <p:cond delay="0"/>
+                                          </p:stCondLst>
+                                        </p:cTn>
+                                        <p:tgtEl>
+                                          <p:spTgt spid="6"/>
+                                        </p:tgtEl>
+                                        <p:attrNameLst>
+                                          <p:attrName>style.visibility</p:attrName>
+                                        </p:attrNameLst>
+                                      </p:cBhvr>
+                                      <p:to>
+                                        <p:strVal val="visible"/>
+                                      </p:to>
+                                    </p:set>
+                                  </p:childTnLst>
+                                </p:cTn>
+                              </p:par>
+                              <p:par>
+                                <p:cTn id="7" presetID="1" presetClass="entr" presetSubtype="0" fill="hold" grpId="0" nodeType="withEffect">
+                                  <p:stCondLst>
+                                    <p:cond delay="0"/>
+                                  </p:stCondLst>
+                                  <p:childTnLst>
+                                    <p:set>
+                                      <p:cBhvr>
+                                        <p:cTn id="8" dur="1" fill="hold">
+                                          <p:stCondLst>
+                                            <p:cond delay="0"/>
+                                          </p:stCondLst>
+                                        </p:cTn>
+                                        <p:tgtEl>
+                                          <p:spTgt spid="7"/>
+                                        </p:tgtEl>
+                                        <p:attrNameLst>
+                                          <p:attrName>style.visibility</p:attrName>
+                                        </p:attrNameLst>
+                                      </p:cBhvr>
+                                      <p:to>
+                                        <p:strVal val="visible"/>
+                                      </p:to>
+                                    </p:set>
+                                  </p:childTnLst>
+                                </p:cTn>
+                              </p:par>
+                              <p:par>
+                                <p:cTn id="9" presetID="1" presetClass="entr" presetSubtype="0" fill="hold" grpId="0" nodeType="withEffect">
+                                  <p:stCondLst>
+                                    <p:cond delay="0"/>
+                                  </p:stCondLst>
+                                  <p:childTnLst>
+                                    <p:set>
+                                      <p:cBhvr>
+                                        <p:cTn id="10" dur="1" fill="hold">
+                                          <p:stCondLst>
+                                            <p:cond delay="0"/>
+                                          </p:stCondLst>
+                                        </p:cTn>
+                                        <p:tgtEl>
+                                          <p:spTgt spid="8"/>
+                                        </p:tgtEl>
+                                        <p:attrNameLst>
+                                          <p:attrName>style.visibility</p:attrName>
+                                        </p:attrNameLst>
+                                      </p:cBhvr>
+                                      <p:to>
+                                        <p:strVal val="visible"/>
+                                      </p:to>
+                                    </p:set>
+                                  </p:childTnLst>
+                                </p:cTn>
+                              </p:par>
+                            </p:childTnLst>
+                          </p:cTn>
+                        </p:par>
+                      </p:childTnLst>
+                    </p:cTn>
+                  </p:par>
+                </p:childTnLst>
+              </p:cTn>
+              <p:prevCondLst>
+                <p:cond evt="onPrev" delay="0">
+                  <p:tgtEl>
+                    <p:sldTgt/>
+                  </p:tgtEl>
+                </p:cond>
+              </p:prevCondLst>
+              <p:nextCondLst>
+                <p:cond evt="onNext" delay="0">
+                  <p:tgtEl>
+                    <p:sldTgt/>
+                  </p:tgtEl>
+                </p:cond>
+              </p:nextCondLst>
+            </p:seq>
+          </p:childTnLst>
+        </p:cTn>
+      </p:par>
+    </p:tnLst>
+    <p:bldLst>
+      <p:bldP spid="6" grpId="0"/>
+      <p:bldP spid="7" grpId="0"/>
+      <p:bldP spid="8" grpId="0"/>
+    </p:bldLst>
+  </p:timing>
+</p:sld>
+</file>
+
+<file path=ppt/slides/slide11.xml><?xml version="1.0" encoding="utf-8"?>
 <p:sld xmlns:a="http://schemas.openxmlformats.org/drawingml/2006/main" xmlns:r="http://schemas.openxmlformats.org/officeDocument/2006/relationships" xmlns:p="http://schemas.openxmlformats.org/presentationml/2006/main">
   <p:cSld>
     <p:spTree>
@@ -4660,6 +4959,204 @@
       </p:grpSpPr>
       <p:pic>
         <p:nvPicPr>
+          <p:cNvPr id="1026" name="Picture 2" descr="Hackers can fool the facial recognition system using the 3D faces based on  Facebook photos – TheTechNews"/>
+          <p:cNvPicPr>
+            <a:picLocks noChangeAspect="1" noChangeArrowheads="1"/>
+          </p:cNvPicPr>
+          <p:nvPr/>
+        </p:nvPicPr>
+        <p:blipFill>
+          <a:blip r:embed="rId2">
+            <a:extLst>
+              <a:ext uri="{28A0092B-C50C-407E-A947-70E740481C1C}">
+                <a14:useLocalDpi xmlns:a14="http://schemas.microsoft.com/office/drawing/2010/main" val="0"/>
+              </a:ext>
+            </a:extLst>
+          </a:blip>
+          <a:srcRect/>
+          <a:stretch>
+            <a:fillRect/>
+          </a:stretch>
+        </p:blipFill>
+        <p:spPr bwMode="auto">
+          <a:xfrm>
+            <a:off x="-121024" y="726141"/>
+            <a:ext cx="4240281" cy="2792039"/>
+          </a:xfrm>
+          <a:prstGeom prst="rect">
+            <a:avLst/>
+          </a:prstGeom>
+          <a:ln>
+            <a:noFill/>
+          </a:ln>
+          <a:effectLst>
+            <a:softEdge rad="112500"/>
+          </a:effectLst>
+          <a:extLst>
+            <a:ext uri="{909E8E84-426E-40DD-AFC4-6F175D3DCCD1}">
+              <a14:hiddenFill xmlns:a14="http://schemas.microsoft.com/office/drawing/2010/main">
+                <a:solidFill>
+                  <a:srgbClr val="FFFFFF"/>
+                </a:solidFill>
+              </a14:hiddenFill>
+            </a:ext>
+          </a:extLst>
+        </p:spPr>
+      </p:pic>
+      <p:pic>
+        <p:nvPicPr>
+          <p:cNvPr id="1028" name="Picture 4" descr="Difference between Capacitive and infrared touch screen"/>
+          <p:cNvPicPr>
+            <a:picLocks noChangeAspect="1" noChangeArrowheads="1"/>
+          </p:cNvPicPr>
+          <p:nvPr/>
+        </p:nvPicPr>
+        <p:blipFill>
+          <a:blip r:embed="rId3">
+            <a:extLst>
+              <a:ext uri="{28A0092B-C50C-407E-A947-70E740481C1C}">
+                <a14:useLocalDpi xmlns:a14="http://schemas.microsoft.com/office/drawing/2010/main" val="0"/>
+              </a:ext>
+            </a:extLst>
+          </a:blip>
+          <a:srcRect/>
+          <a:stretch>
+            <a:fillRect/>
+          </a:stretch>
+        </p:blipFill>
+        <p:spPr bwMode="auto">
+          <a:xfrm>
+            <a:off x="3645213" y="297936"/>
+            <a:ext cx="4236985" cy="2518895"/>
+          </a:xfrm>
+          <a:prstGeom prst="rect">
+            <a:avLst/>
+          </a:prstGeom>
+          <a:ln>
+            <a:noFill/>
+          </a:ln>
+          <a:effectLst>
+            <a:softEdge rad="112500"/>
+          </a:effectLst>
+          <a:extLst>
+            <a:ext uri="{909E8E84-426E-40DD-AFC4-6F175D3DCCD1}">
+              <a14:hiddenFill xmlns:a14="http://schemas.microsoft.com/office/drawing/2010/main">
+                <a:solidFill>
+                  <a:srgbClr val="FFFFFF"/>
+                </a:solidFill>
+              </a14:hiddenFill>
+            </a:ext>
+          </a:extLst>
+        </p:spPr>
+      </p:pic>
+      <p:pic>
+        <p:nvPicPr>
+          <p:cNvPr id="5" name="Picture 4"/>
+          <p:cNvPicPr>
+            <a:picLocks noChangeAspect="1"/>
+          </p:cNvPicPr>
+          <p:nvPr/>
+        </p:nvPicPr>
+        <p:blipFill>
+          <a:blip r:embed="rId4"/>
+          <a:stretch>
+            <a:fillRect/>
+          </a:stretch>
+        </p:blipFill>
+        <p:spPr>
+          <a:xfrm>
+            <a:off x="2359304" y="3644153"/>
+            <a:ext cx="4526442" cy="3012141"/>
+          </a:xfrm>
+          <a:prstGeom prst="rect">
+            <a:avLst/>
+          </a:prstGeom>
+          <a:ln>
+            <a:noFill/>
+          </a:ln>
+          <a:effectLst>
+            <a:softEdge rad="112500"/>
+          </a:effectLst>
+        </p:spPr>
+      </p:pic>
+      <p:pic>
+        <p:nvPicPr>
+          <p:cNvPr id="1032" name="Picture 8" descr="2,176 Speech Recognition Photos - Free &amp; Royalty-Free Stock Photos from  Dreamstime"/>
+          <p:cNvPicPr>
+            <a:picLocks noChangeAspect="1" noChangeArrowheads="1"/>
+          </p:cNvPicPr>
+          <p:nvPr/>
+        </p:nvPicPr>
+        <p:blipFill>
+          <a:blip r:embed="rId5">
+            <a:extLst>
+              <a:ext uri="{28A0092B-C50C-407E-A947-70E740481C1C}">
+                <a14:useLocalDpi xmlns:a14="http://schemas.microsoft.com/office/drawing/2010/main" val="0"/>
+              </a:ext>
+            </a:extLst>
+          </a:blip>
+          <a:srcRect/>
+          <a:stretch>
+            <a:fillRect/>
+          </a:stretch>
+        </p:blipFill>
+        <p:spPr bwMode="auto">
+          <a:xfrm>
+            <a:off x="7882198" y="1144026"/>
+            <a:ext cx="4088715" cy="2795961"/>
+          </a:xfrm>
+          <a:prstGeom prst="rect">
+            <a:avLst/>
+          </a:prstGeom>
+          <a:ln>
+            <a:noFill/>
+          </a:ln>
+          <a:effectLst>
+            <a:softEdge rad="112500"/>
+          </a:effectLst>
+          <a:extLst>
+            <a:ext uri="{909E8E84-426E-40DD-AFC4-6F175D3DCCD1}">
+              <a14:hiddenFill xmlns:a14="http://schemas.microsoft.com/office/drawing/2010/main">
+                <a:solidFill>
+                  <a:srgbClr val="FFFFFF"/>
+                </a:solidFill>
+              </a14:hiddenFill>
+            </a:ext>
+          </a:extLst>
+        </p:spPr>
+      </p:pic>
+    </p:spTree>
+    <p:extLst>
+      <p:ext uri="{BB962C8B-B14F-4D97-AF65-F5344CB8AC3E}">
+        <p14:creationId xmlns:p14="http://schemas.microsoft.com/office/powerpoint/2010/main" val="3720631917"/>
+      </p:ext>
+    </p:extLst>
+  </p:cSld>
+  <p:clrMapOvr>
+    <a:masterClrMapping/>
+  </p:clrMapOvr>
+</p:sld>
+</file>
+
+<file path=ppt/slides/slide7.xml><?xml version="1.0" encoding="utf-8"?>
+<p:sld xmlns:a="http://schemas.openxmlformats.org/drawingml/2006/main" xmlns:r="http://schemas.openxmlformats.org/officeDocument/2006/relationships" xmlns:p="http://schemas.openxmlformats.org/presentationml/2006/main">
+  <p:cSld>
+    <p:spTree>
+      <p:nvGrpSpPr>
+        <p:cNvPr id="1" name=""/>
+        <p:cNvGrpSpPr/>
+        <p:nvPr/>
+      </p:nvGrpSpPr>
+      <p:grpSpPr>
+        <a:xfrm>
+          <a:off x="0" y="0"/>
+          <a:ext cx="0" cy="0"/>
+          <a:chOff x="0" y="0"/>
+          <a:chExt cx="0" cy="0"/>
+        </a:xfrm>
+      </p:grpSpPr>
+      <p:pic>
+        <p:nvPicPr>
           <p:cNvPr id="6" name="Picture 5"/>
           <p:cNvPicPr>
             <a:picLocks noChangeAspect="1"/>
@@ -4695,7 +5192,7 @@
 </p:sld>
 </file>
 
-<file path=ppt/slides/slide7.xml><?xml version="1.0" encoding="utf-8"?>
+<file path=ppt/slides/slide8.xml><?xml version="1.0" encoding="utf-8"?>
 <p:sld xmlns:a="http://schemas.openxmlformats.org/drawingml/2006/main" xmlns:r="http://schemas.openxmlformats.org/officeDocument/2006/relationships" xmlns:p="http://schemas.openxmlformats.org/presentationml/2006/main">
   <p:cSld>
     <p:spTree>
@@ -5042,7 +5539,7 @@
 </p:sld>
 </file>
 
-<file path=ppt/slides/slide8.xml><?xml version="1.0" encoding="utf-8"?>
+<file path=ppt/slides/slide9.xml><?xml version="1.0" encoding="utf-8"?>
 <p:sld xmlns:a="http://schemas.openxmlformats.org/drawingml/2006/main" xmlns:r="http://schemas.openxmlformats.org/officeDocument/2006/relationships" xmlns:p="http://schemas.openxmlformats.org/presentationml/2006/main">
   <p:cSld>
     <p:spTree>
@@ -5326,304 +5823,6 @@
       <p:bldP spid="5" grpId="0"/>
       <p:bldP spid="6" grpId="0"/>
       <p:bldP spid="7" grpId="0"/>
-    </p:bldLst>
-  </p:timing>
-</p:sld>
-</file>
-
-<file path=ppt/slides/slide9.xml><?xml version="1.0" encoding="utf-8"?>
-<p:sld xmlns:a="http://schemas.openxmlformats.org/drawingml/2006/main" xmlns:r="http://schemas.openxmlformats.org/officeDocument/2006/relationships" xmlns:p="http://schemas.openxmlformats.org/presentationml/2006/main">
-  <p:cSld>
-    <p:spTree>
-      <p:nvGrpSpPr>
-        <p:cNvPr id="1" name=""/>
-        <p:cNvGrpSpPr/>
-        <p:nvPr/>
-      </p:nvGrpSpPr>
-      <p:grpSpPr>
-        <a:xfrm>
-          <a:off x="0" y="0"/>
-          <a:ext cx="0" cy="0"/>
-          <a:chOff x="0" y="0"/>
-          <a:chExt cx="0" cy="0"/>
-        </a:xfrm>
-      </p:grpSpPr>
-      <p:sp>
-        <p:nvSpPr>
-          <p:cNvPr id="5" name="Title 1"/>
-          <p:cNvSpPr>
-            <a:spLocks noGrp="1"/>
-          </p:cNvSpPr>
-          <p:nvPr>
-            <p:ph type="title"/>
-          </p:nvPr>
-        </p:nvSpPr>
-        <p:spPr>
-          <a:xfrm>
-            <a:off x="0" y="365125"/>
-            <a:ext cx="12192000" cy="1120775"/>
-          </a:xfrm>
-        </p:spPr>
-        <p:txBody>
-          <a:bodyPr>
-            <a:normAutofit/>
-          </a:bodyPr>
-          <a:lstStyle/>
-          <a:p>
-            <a:pPr algn="ctr"/>
-            <a:r>
-              <a:rPr lang="en-US" sz="3500" smtClean="0">
-                <a:latin typeface="+mn-lt"/>
-              </a:rPr>
-              <a:t>THE PROBLEMS</a:t>
-            </a:r>
-            <a:endParaRPr lang="en-US" sz="3500">
-              <a:latin typeface="+mn-lt"/>
-            </a:endParaRPr>
-          </a:p>
-        </p:txBody>
-      </p:sp>
-      <p:sp>
-        <p:nvSpPr>
-          <p:cNvPr id="6" name="TextBox 5"/>
-          <p:cNvSpPr txBox="1"/>
-          <p:nvPr/>
-        </p:nvSpPr>
-        <p:spPr>
-          <a:xfrm>
-            <a:off x="2828503" y="2336800"/>
-            <a:ext cx="6534994" cy="369332"/>
-          </a:xfrm>
-          <a:prstGeom prst="rect">
-            <a:avLst/>
-          </a:prstGeom>
-          <a:noFill/>
-        </p:spPr>
-        <p:txBody>
-          <a:bodyPr wrap="none" rtlCol="0">
-            <a:spAutoFit/>
-          </a:bodyPr>
-          <a:lstStyle/>
-          <a:p>
-            <a:r>
-              <a:rPr lang="en-US" smtClean="0"/>
-              <a:t>NLP IS A MAJOR WHICH STILL TOO STRANGE WITH ALL OF STUDENT</a:t>
-            </a:r>
-            <a:endParaRPr lang="en-US"/>
-          </a:p>
-        </p:txBody>
-      </p:sp>
-      <p:sp>
-        <p:nvSpPr>
-          <p:cNvPr id="7" name="TextBox 6"/>
-          <p:cNvSpPr txBox="1"/>
-          <p:nvPr/>
-        </p:nvSpPr>
-        <p:spPr>
-          <a:xfrm>
-            <a:off x="2813434" y="3124200"/>
-            <a:ext cx="6565131" cy="646331"/>
-          </a:xfrm>
-          <a:prstGeom prst="rect">
-            <a:avLst/>
-          </a:prstGeom>
-          <a:noFill/>
-        </p:spPr>
-        <p:txBody>
-          <a:bodyPr wrap="none" rtlCol="0">
-            <a:spAutoFit/>
-          </a:bodyPr>
-          <a:lstStyle/>
-          <a:p>
-            <a:pPr algn="ctr"/>
-            <a:r>
-              <a:rPr lang="en-US" smtClean="0"/>
-              <a:t>NLP HAS WEIGHT CHARACTERISTICS OF KNOWLEDGE ABOUT LOGIC</a:t>
-            </a:r>
-          </a:p>
-          <a:p>
-            <a:pPr algn="ctr"/>
-            <a:r>
-              <a:rPr lang="en-US" smtClean="0"/>
-              <a:t> SO LEARNING KNOWLEDGE IS A LONG TERM OF LEARNING</a:t>
-            </a:r>
-            <a:endParaRPr lang="en-US"/>
-          </a:p>
-        </p:txBody>
-      </p:sp>
-      <p:sp>
-        <p:nvSpPr>
-          <p:cNvPr id="8" name="TextBox 7"/>
-          <p:cNvSpPr txBox="1"/>
-          <p:nvPr/>
-        </p:nvSpPr>
-        <p:spPr>
-          <a:xfrm>
-            <a:off x="1768886" y="4188599"/>
-            <a:ext cx="8624092" cy="369332"/>
-          </a:xfrm>
-          <a:prstGeom prst="rect">
-            <a:avLst/>
-          </a:prstGeom>
-          <a:noFill/>
-        </p:spPr>
-        <p:txBody>
-          <a:bodyPr wrap="none" rtlCol="0">
-            <a:spAutoFit/>
-          </a:bodyPr>
-          <a:lstStyle/>
-          <a:p>
-            <a:pPr algn="ctr"/>
-            <a:r>
-              <a:rPr lang="en-US" smtClean="0"/>
-              <a:t>TO TRANSFER SOME KNOWLEDGE TO SOMETHING THE BEST WE SHOULD UNDERSTAND IT</a:t>
-            </a:r>
-            <a:endParaRPr lang="en-US"/>
-          </a:p>
-        </p:txBody>
-      </p:sp>
-    </p:spTree>
-    <p:extLst>
-      <p:ext uri="{BB962C8B-B14F-4D97-AF65-F5344CB8AC3E}">
-        <p14:creationId xmlns:p14="http://schemas.microsoft.com/office/powerpoint/2010/main" val="3566484909"/>
-      </p:ext>
-    </p:extLst>
-  </p:cSld>
-  <p:clrMapOvr>
-    <a:masterClrMapping/>
-  </p:clrMapOvr>
-  <p:timing>
-    <p:tnLst>
-      <p:par>
-        <p:cTn id="1" dur="indefinite" restart="never" nodeType="tmRoot">
-          <p:childTnLst>
-            <p:seq concurrent="1" nextAc="seek">
-              <p:cTn id="2" dur="indefinite" nodeType="mainSeq">
-                <p:childTnLst>
-                  <p:par>
-                    <p:cTn id="3" fill="hold">
-                      <p:stCondLst>
-                        <p:cond delay="indefinite"/>
-                      </p:stCondLst>
-                      <p:childTnLst>
-                        <p:par>
-                          <p:cTn id="4" fill="hold">
-                            <p:stCondLst>
-                              <p:cond delay="0"/>
-                            </p:stCondLst>
-                            <p:childTnLst>
-                              <p:par>
-                                <p:cTn id="5" presetID="1" presetClass="entr" presetSubtype="0" fill="hold" grpId="0" nodeType="clickEffect">
-                                  <p:stCondLst>
-                                    <p:cond delay="0"/>
-                                  </p:stCondLst>
-                                  <p:childTnLst>
-                                    <p:set>
-                                      <p:cBhvr>
-                                        <p:cTn id="6" dur="1" fill="hold">
-                                          <p:stCondLst>
-                                            <p:cond delay="0"/>
-                                          </p:stCondLst>
-                                        </p:cTn>
-                                        <p:tgtEl>
-                                          <p:spTgt spid="6"/>
-                                        </p:tgtEl>
-                                        <p:attrNameLst>
-                                          <p:attrName>style.visibility</p:attrName>
-                                        </p:attrNameLst>
-                                      </p:cBhvr>
-                                      <p:to>
-                                        <p:strVal val="visible"/>
-                                      </p:to>
-                                    </p:set>
-                                  </p:childTnLst>
-                                </p:cTn>
-                              </p:par>
-                              <p:par>
-                                <p:cTn id="7" presetID="1" presetClass="entr" presetSubtype="0" fill="hold" grpId="0" nodeType="withEffect">
-                                  <p:stCondLst>
-                                    <p:cond delay="0"/>
-                                  </p:stCondLst>
-                                  <p:childTnLst>
-                                    <p:set>
-                                      <p:cBhvr>
-                                        <p:cTn id="8" dur="1" fill="hold">
-                                          <p:stCondLst>
-                                            <p:cond delay="0"/>
-                                          </p:stCondLst>
-                                        </p:cTn>
-                                        <p:tgtEl>
-                                          <p:spTgt spid="7"/>
-                                        </p:tgtEl>
-                                        <p:attrNameLst>
-                                          <p:attrName>style.visibility</p:attrName>
-                                        </p:attrNameLst>
-                                      </p:cBhvr>
-                                      <p:to>
-                                        <p:strVal val="visible"/>
-                                      </p:to>
-                                    </p:set>
-                                  </p:childTnLst>
-                                </p:cTn>
-                              </p:par>
-                              <p:par>
-                                <p:cTn id="9" presetID="1" presetClass="entr" presetSubtype="0" fill="hold" grpId="0" nodeType="withEffect">
-                                  <p:stCondLst>
-                                    <p:cond delay="0"/>
-                                  </p:stCondLst>
-                                  <p:childTnLst>
-                                    <p:set>
-                                      <p:cBhvr>
-                                        <p:cTn id="10" dur="1" fill="hold">
-                                          <p:stCondLst>
-                                            <p:cond delay="0"/>
-                                          </p:stCondLst>
-                                        </p:cTn>
-                                        <p:tgtEl>
-                                          <p:spTgt spid="8"/>
-                                        </p:tgtEl>
-                                        <p:attrNameLst>
-                                          <p:attrName>style.visibility</p:attrName>
-                                        </p:attrNameLst>
-                                      </p:cBhvr>
-                                      <p:to>
-                                        <p:strVal val="visible"/>
-                                      </p:to>
-                                    </p:set>
-                                  </p:childTnLst>
-                                </p:cTn>
-                              </p:par>
-                            </p:childTnLst>
-                          </p:cTn>
-                        </p:par>
-                      </p:childTnLst>
-                    </p:cTn>
-                  </p:par>
-                </p:childTnLst>
-              </p:cTn>
-              <p:prevCondLst>
-                <p:cond evt="onPrev" delay="0">
-                  <p:tgtEl>
-                    <p:sldTgt/>
-                  </p:tgtEl>
-                </p:cond>
-              </p:prevCondLst>
-              <p:nextCondLst>
-                <p:cond evt="onNext" delay="0">
-                  <p:tgtEl>
-                    <p:sldTgt/>
-                  </p:tgtEl>
-                </p:cond>
-              </p:nextCondLst>
-            </p:seq>
-          </p:childTnLst>
-        </p:cTn>
-      </p:par>
-    </p:tnLst>
-    <p:bldLst>
-      <p:bldP spid="6" grpId="0"/>
-      <p:bldP spid="7" grpId="0"/>
-      <p:bldP spid="8" grpId="0"/>
     </p:bldLst>
   </p:timing>
 </p:sld>
